--- a/99_チーム内打合せ用（総合演習）/成果発表会_個人発表作成内容 _香川.pptx
+++ b/99_チーム内打合せ用（総合演習）/成果発表会_個人発表作成内容 _香川.pptx
@@ -5,12 +5,14 @@
     <p:sldMasterId id="2147483684" r:id="rId1"/>
   </p:sldMasterIdLst>
   <p:notesMasterIdLst>
-    <p:notesMasterId r:id="rId5"/>
+    <p:notesMasterId r:id="rId7"/>
   </p:notesMasterIdLst>
   <p:sldIdLst>
     <p:sldId id="257" r:id="rId2"/>
     <p:sldId id="258" r:id="rId3"/>
     <p:sldId id="259" r:id="rId4"/>
+    <p:sldId id="260" r:id="rId5"/>
+    <p:sldId id="261" r:id="rId6"/>
   </p:sldIdLst>
   <p:sldSz cx="9144000" cy="6858000" type="screen4x3"/>
   <p:notesSz cx="6858000" cy="9144000"/>
@@ -828,6 +830,216 @@
     <p:extLst>
       <p:ext uri="{BB962C8B-B14F-4D97-AF65-F5344CB8AC3E}">
         <p14:creationId xmlns:p14="http://schemas.microsoft.com/office/powerpoint/2010/main" val="3830764073"/>
+      </p:ext>
+    </p:extLst>
+  </p:cSld>
+  <p:clrMapOvr>
+    <a:masterClrMapping/>
+  </p:clrMapOvr>
+</p:notes>
+</file>
+
+<file path=ppt/notesSlides/notesSlide3.xml><?xml version="1.0" encoding="utf-8"?>
+<p:notes xmlns:a="http://schemas.openxmlformats.org/drawingml/2006/main" xmlns:r="http://schemas.openxmlformats.org/officeDocument/2006/relationships" xmlns:p="http://schemas.openxmlformats.org/presentationml/2006/main">
+  <p:cSld>
+    <p:spTree>
+      <p:nvGrpSpPr>
+        <p:cNvPr id="1" name=""/>
+        <p:cNvGrpSpPr/>
+        <p:nvPr/>
+      </p:nvGrpSpPr>
+      <p:grpSpPr>
+        <a:xfrm>
+          <a:off x="0" y="0"/>
+          <a:ext cx="0" cy="0"/>
+          <a:chOff x="0" y="0"/>
+          <a:chExt cx="0" cy="0"/>
+        </a:xfrm>
+      </p:grpSpPr>
+      <p:sp>
+        <p:nvSpPr>
+          <p:cNvPr id="2" name="スライド イメージ プレースホルダー 1"/>
+          <p:cNvSpPr>
+            <a:spLocks noGrp="1" noRot="1" noChangeAspect="1"/>
+          </p:cNvSpPr>
+          <p:nvPr>
+            <p:ph type="sldImg"/>
+          </p:nvPr>
+        </p:nvSpPr>
+        <p:spPr/>
+      </p:sp>
+      <p:sp>
+        <p:nvSpPr>
+          <p:cNvPr id="3" name="ノート プレースホルダー 2"/>
+          <p:cNvSpPr>
+            <a:spLocks noGrp="1"/>
+          </p:cNvSpPr>
+          <p:nvPr>
+            <p:ph type="body" idx="1"/>
+          </p:nvPr>
+        </p:nvSpPr>
+        <p:spPr/>
+        <p:txBody>
+          <a:bodyPr/>
+          <a:lstStyle/>
+          <a:p>
+            <a:pPr marL="0" marR="0" lvl="0" indent="0" algn="l" defTabSz="914400" rtl="0" eaLnBrk="1" fontAlgn="auto" latinLnBrk="0" hangingPunct="1">
+              <a:lnSpc>
+                <a:spcPct val="100000"/>
+              </a:lnSpc>
+              <a:spcBef>
+                <a:spcPts val="0"/>
+              </a:spcBef>
+              <a:spcAft>
+                <a:spcPts val="0"/>
+              </a:spcAft>
+              <a:buClrTx/>
+              <a:buSzTx/>
+              <a:buFontTx/>
+              <a:buNone/>
+              <a:tabLst/>
+              <a:defRPr/>
+            </a:pPr>
+            <a:r>
+              <a:rPr lang="ja-JP" altLang="en-US" sz="1200" dirty="0" smtClean="0"/>
+              <a:t>バイナリファイルの共有：競合の解決が出来ない</a:t>
+            </a:r>
+            <a:endParaRPr lang="en-US" altLang="ja-JP" sz="1200" dirty="0" smtClean="0"/>
+          </a:p>
+        </p:txBody>
+      </p:sp>
+      <p:sp>
+        <p:nvSpPr>
+          <p:cNvPr id="4" name="スライド番号プレースホルダー 3"/>
+          <p:cNvSpPr>
+            <a:spLocks noGrp="1"/>
+          </p:cNvSpPr>
+          <p:nvPr>
+            <p:ph type="sldNum" sz="quarter" idx="10"/>
+          </p:nvPr>
+        </p:nvSpPr>
+        <p:spPr/>
+        <p:txBody>
+          <a:bodyPr/>
+          <a:lstStyle/>
+          <a:p>
+            <a:fld id="{16AD236E-1B75-42F5-B9C1-883DFA987025}" type="slidenum">
+              <a:rPr kumimoji="1" lang="ja-JP" altLang="en-US" smtClean="0"/>
+              <a:t>4</a:t>
+            </a:fld>
+            <a:endParaRPr kumimoji="1" lang="ja-JP" altLang="en-US"/>
+          </a:p>
+        </p:txBody>
+      </p:sp>
+    </p:spTree>
+    <p:extLst>
+      <p:ext uri="{BB962C8B-B14F-4D97-AF65-F5344CB8AC3E}">
+        <p14:creationId xmlns:p14="http://schemas.microsoft.com/office/powerpoint/2010/main" val="3963719693"/>
+      </p:ext>
+    </p:extLst>
+  </p:cSld>
+  <p:clrMapOvr>
+    <a:masterClrMapping/>
+  </p:clrMapOvr>
+</p:notes>
+</file>
+
+<file path=ppt/notesSlides/notesSlide4.xml><?xml version="1.0" encoding="utf-8"?>
+<p:notes xmlns:a="http://schemas.openxmlformats.org/drawingml/2006/main" xmlns:r="http://schemas.openxmlformats.org/officeDocument/2006/relationships" xmlns:p="http://schemas.openxmlformats.org/presentationml/2006/main">
+  <p:cSld>
+    <p:spTree>
+      <p:nvGrpSpPr>
+        <p:cNvPr id="1" name=""/>
+        <p:cNvGrpSpPr/>
+        <p:nvPr/>
+      </p:nvGrpSpPr>
+      <p:grpSpPr>
+        <a:xfrm>
+          <a:off x="0" y="0"/>
+          <a:ext cx="0" cy="0"/>
+          <a:chOff x="0" y="0"/>
+          <a:chExt cx="0" cy="0"/>
+        </a:xfrm>
+      </p:grpSpPr>
+      <p:sp>
+        <p:nvSpPr>
+          <p:cNvPr id="2" name="スライド イメージ プレースホルダー 1"/>
+          <p:cNvSpPr>
+            <a:spLocks noGrp="1" noRot="1" noChangeAspect="1"/>
+          </p:cNvSpPr>
+          <p:nvPr>
+            <p:ph type="sldImg"/>
+          </p:nvPr>
+        </p:nvSpPr>
+        <p:spPr/>
+      </p:sp>
+      <p:sp>
+        <p:nvSpPr>
+          <p:cNvPr id="3" name="ノート プレースホルダー 2"/>
+          <p:cNvSpPr>
+            <a:spLocks noGrp="1"/>
+          </p:cNvSpPr>
+          <p:nvPr>
+            <p:ph type="body" idx="1"/>
+          </p:nvPr>
+        </p:nvSpPr>
+        <p:spPr/>
+        <p:txBody>
+          <a:bodyPr/>
+          <a:lstStyle/>
+          <a:p>
+            <a:pPr marL="0" marR="0" lvl="0" indent="0" algn="l" defTabSz="914400" rtl="0" eaLnBrk="1" fontAlgn="auto" latinLnBrk="0" hangingPunct="1">
+              <a:lnSpc>
+                <a:spcPct val="100000"/>
+              </a:lnSpc>
+              <a:spcBef>
+                <a:spcPts val="0"/>
+              </a:spcBef>
+              <a:spcAft>
+                <a:spcPts val="0"/>
+              </a:spcAft>
+              <a:buClrTx/>
+              <a:buSzTx/>
+              <a:buFontTx/>
+              <a:buNone/>
+              <a:tabLst/>
+              <a:defRPr/>
+            </a:pPr>
+            <a:r>
+              <a:rPr lang="ja-JP" altLang="en-US" sz="1200" dirty="0" smtClean="0"/>
+              <a:t>バイナリファイルの共有：競合の解決が出来ない</a:t>
+            </a:r>
+            <a:endParaRPr lang="en-US" altLang="ja-JP" sz="1200" dirty="0" smtClean="0"/>
+          </a:p>
+        </p:txBody>
+      </p:sp>
+      <p:sp>
+        <p:nvSpPr>
+          <p:cNvPr id="4" name="スライド番号プレースホルダー 3"/>
+          <p:cNvSpPr>
+            <a:spLocks noGrp="1"/>
+          </p:cNvSpPr>
+          <p:nvPr>
+            <p:ph type="sldNum" sz="quarter" idx="10"/>
+          </p:nvPr>
+        </p:nvSpPr>
+        <p:spPr/>
+        <p:txBody>
+          <a:bodyPr/>
+          <a:lstStyle/>
+          <a:p>
+            <a:fld id="{16AD236E-1B75-42F5-B9C1-883DFA987025}" type="slidenum">
+              <a:rPr kumimoji="1" lang="ja-JP" altLang="en-US" smtClean="0"/>
+              <a:t>5</a:t>
+            </a:fld>
+            <a:endParaRPr kumimoji="1" lang="ja-JP" altLang="en-US"/>
+          </a:p>
+        </p:txBody>
+      </p:sp>
+    </p:spTree>
+    <p:extLst>
+      <p:ext uri="{BB962C8B-B14F-4D97-AF65-F5344CB8AC3E}">
+        <p14:creationId xmlns:p14="http://schemas.microsoft.com/office/powerpoint/2010/main" val="912365757"/>
       </p:ext>
     </p:extLst>
   </p:cSld>
@@ -7161,7 +7373,42 @@
               <a:rPr lang="en-US" altLang="ja-JP" sz="2800" dirty="0" smtClean="0"/>
               <a:t>MySQL</a:t>
             </a:r>
-            <a:endParaRPr lang="ja-JP" altLang="ja-JP" sz="2800" dirty="0"/>
+          </a:p>
+          <a:p>
+            <a:pPr marL="109537" indent="0" fontAlgn="ctr">
+              <a:buNone/>
+            </a:pPr>
+            <a:endParaRPr lang="en-US" altLang="ja-JP" sz="3200" dirty="0" smtClean="0">
+              <a:solidFill>
+                <a:srgbClr val="FF0000"/>
+              </a:solidFill>
+            </a:endParaRPr>
+          </a:p>
+          <a:p>
+            <a:pPr marL="109537" indent="0" fontAlgn="ctr">
+              <a:buNone/>
+            </a:pPr>
+            <a:r>
+              <a:rPr lang="en-US" altLang="ja-JP" sz="2800" dirty="0" smtClean="0">
+                <a:solidFill>
+                  <a:srgbClr val="FF0000"/>
+                </a:solidFill>
+              </a:rPr>
+              <a:t>※</a:t>
+            </a:r>
+            <a:r>
+              <a:rPr lang="ja-JP" altLang="en-US" sz="2800" dirty="0" smtClean="0">
+                <a:solidFill>
+                  <a:srgbClr val="FF0000"/>
+                </a:solidFill>
+              </a:rPr>
+              <a:t>赤文字は初めて学んだまたは苦手なこと</a:t>
+            </a:r>
+            <a:endParaRPr lang="ja-JP" altLang="ja-JP" sz="2800" dirty="0">
+              <a:solidFill>
+                <a:srgbClr val="FF0000"/>
+              </a:solidFill>
+            </a:endParaRPr>
           </a:p>
         </p:txBody>
       </p:sp>
@@ -7197,7 +7444,7 @@
                   <a:schemeClr val="tx1"/>
                 </a:solidFill>
               </a:rPr>
-              <a:t>身についた点</a:t>
+              <a:t>身についた点・良かった点</a:t>
             </a:r>
             <a:endParaRPr lang="ja-JP" altLang="en-US" dirty="0">
               <a:solidFill>
@@ -7527,6 +7774,322 @@
     <p:extLst>
       <p:ext uri="{BB962C8B-B14F-4D97-AF65-F5344CB8AC3E}">
         <p14:creationId xmlns:p14="http://schemas.microsoft.com/office/powerpoint/2010/main" val="500486079"/>
+      </p:ext>
+    </p:extLst>
+  </p:cSld>
+  <p:clrMapOvr>
+    <a:masterClrMapping/>
+  </p:clrMapOvr>
+  <p:timing>
+    <p:tnLst>
+      <p:par>
+        <p:cTn id="1" dur="indefinite" restart="never" nodeType="tmRoot"/>
+      </p:par>
+    </p:tnLst>
+  </p:timing>
+</p:sld>
+</file>
+
+<file path=ppt/slides/slide4.xml><?xml version="1.0" encoding="utf-8"?>
+<p:sld xmlns:a="http://schemas.openxmlformats.org/drawingml/2006/main" xmlns:r="http://schemas.openxmlformats.org/officeDocument/2006/relationships" xmlns:p="http://schemas.openxmlformats.org/presentationml/2006/main">
+  <p:cSld>
+    <p:spTree>
+      <p:nvGrpSpPr>
+        <p:cNvPr id="1" name=""/>
+        <p:cNvGrpSpPr/>
+        <p:nvPr/>
+      </p:nvGrpSpPr>
+      <p:grpSpPr>
+        <a:xfrm>
+          <a:off x="0" y="0"/>
+          <a:ext cx="0" cy="0"/>
+          <a:chOff x="0" y="0"/>
+          <a:chExt cx="0" cy="0"/>
+        </a:xfrm>
+      </p:grpSpPr>
+      <p:sp>
+        <p:nvSpPr>
+          <p:cNvPr id="10242" name="コンテンツ プレースホルダー 2"/>
+          <p:cNvSpPr>
+            <a:spLocks noGrp="1"/>
+          </p:cNvSpPr>
+          <p:nvPr>
+            <p:ph idx="1"/>
+          </p:nvPr>
+        </p:nvSpPr>
+        <p:spPr>
+          <a:xfrm>
+            <a:off x="0" y="1125538"/>
+            <a:ext cx="9144000" cy="5399087"/>
+          </a:xfrm>
+        </p:spPr>
+        <p:txBody>
+          <a:bodyPr/>
+          <a:lstStyle/>
+          <a:p>
+            <a:pPr fontAlgn="ctr"/>
+            <a:r>
+              <a:rPr lang="en-US" altLang="ja-JP" sz="3200" dirty="0" err="1" smtClean="0"/>
+              <a:t>Gi</a:t>
+            </a:r>
+            <a:r>
+              <a:rPr lang="en-US" altLang="ja-JP" sz="3200" dirty="0" err="1"/>
+              <a:t>t</a:t>
+            </a:r>
+            <a:r>
+              <a:rPr lang="ja-JP" altLang="en-US" sz="3200" dirty="0" smtClean="0"/>
+              <a:t>の使い方</a:t>
+            </a:r>
+            <a:endParaRPr lang="en-US" altLang="ja-JP" sz="2600" dirty="0" smtClean="0"/>
+          </a:p>
+          <a:p>
+            <a:pPr lvl="1" fontAlgn="ctr"/>
+            <a:r>
+              <a:rPr lang="ja-JP" altLang="en-US" sz="2800" dirty="0"/>
+              <a:t>苦労</a:t>
+            </a:r>
+            <a:r>
+              <a:rPr lang="ja-JP" altLang="en-US" sz="2800" dirty="0" smtClean="0"/>
+              <a:t>したこと</a:t>
+            </a:r>
+            <a:endParaRPr lang="en-US" altLang="ja-JP" sz="2800" dirty="0" smtClean="0"/>
+          </a:p>
+          <a:p>
+            <a:pPr lvl="2" fontAlgn="ctr"/>
+            <a:r>
+              <a:rPr lang="ja-JP" altLang="en-US" sz="2600" dirty="0" smtClean="0"/>
+              <a:t>手動でマージしたので時間がかかった（特にバイナリファイル）</a:t>
+            </a:r>
+            <a:endParaRPr lang="en-US" altLang="ja-JP" sz="2600" dirty="0" smtClean="0"/>
+          </a:p>
+          <a:p>
+            <a:pPr lvl="1" fontAlgn="ctr"/>
+            <a:r>
+              <a:rPr lang="ja-JP" altLang="en-US" sz="2800" dirty="0" smtClean="0"/>
+              <a:t>改善</a:t>
+            </a:r>
+            <a:endParaRPr lang="en-US" altLang="ja-JP" sz="2800" dirty="0" smtClean="0"/>
+          </a:p>
+          <a:p>
+            <a:pPr lvl="2" fontAlgn="ctr"/>
+            <a:r>
+              <a:rPr lang="ja-JP" altLang="en-US" sz="2600" dirty="0"/>
+              <a:t>？</a:t>
+            </a:r>
+            <a:endParaRPr lang="en-US" altLang="ja-JP" sz="2600" dirty="0" smtClean="0">
+              <a:solidFill>
+                <a:srgbClr val="FF0000"/>
+              </a:solidFill>
+            </a:endParaRPr>
+          </a:p>
+        </p:txBody>
+      </p:sp>
+      <p:sp>
+        <p:nvSpPr>
+          <p:cNvPr id="2" name="タイトル 1"/>
+          <p:cNvSpPr>
+            <a:spLocks noGrp="1"/>
+          </p:cNvSpPr>
+          <p:nvPr>
+            <p:ph type="title"/>
+          </p:nvPr>
+        </p:nvSpPr>
+        <p:spPr>
+          <a:xfrm>
+            <a:off x="457200" y="44624"/>
+            <a:ext cx="8229600" cy="1143000"/>
+          </a:xfrm>
+        </p:spPr>
+        <p:txBody>
+          <a:bodyPr/>
+          <a:lstStyle/>
+          <a:p>
+            <a:pPr eaLnBrk="1" fontAlgn="auto" hangingPunct="1">
+              <a:spcAft>
+                <a:spcPts val="0"/>
+              </a:spcAft>
+              <a:defRPr/>
+            </a:pPr>
+            <a:r>
+              <a:rPr lang="ja-JP" altLang="en-US" dirty="0">
+                <a:solidFill>
+                  <a:schemeClr val="tx1"/>
+                </a:solidFill>
+              </a:rPr>
+              <a:t>苦労</a:t>
+            </a:r>
+            <a:r>
+              <a:rPr lang="ja-JP" altLang="en-US" dirty="0" smtClean="0">
+                <a:solidFill>
+                  <a:schemeClr val="tx1"/>
+                </a:solidFill>
+              </a:rPr>
+              <a:t>した</a:t>
+            </a:r>
+            <a:r>
+              <a:rPr lang="ja-JP" altLang="en-US" dirty="0" smtClean="0">
+                <a:solidFill>
+                  <a:schemeClr val="tx1"/>
+                </a:solidFill>
+              </a:rPr>
+              <a:t>点とどう改善したか②</a:t>
+            </a:r>
+            <a:endParaRPr lang="ja-JP" altLang="en-US" dirty="0">
+              <a:solidFill>
+                <a:schemeClr val="tx1"/>
+              </a:solidFill>
+            </a:endParaRPr>
+          </a:p>
+        </p:txBody>
+      </p:sp>
+    </p:spTree>
+    <p:extLst>
+      <p:ext uri="{BB962C8B-B14F-4D97-AF65-F5344CB8AC3E}">
+        <p14:creationId xmlns:p14="http://schemas.microsoft.com/office/powerpoint/2010/main" val="3330139258"/>
+      </p:ext>
+    </p:extLst>
+  </p:cSld>
+  <p:clrMapOvr>
+    <a:masterClrMapping/>
+  </p:clrMapOvr>
+  <p:timing>
+    <p:tnLst>
+      <p:par>
+        <p:cTn id="1" dur="indefinite" restart="never" nodeType="tmRoot"/>
+      </p:par>
+    </p:tnLst>
+  </p:timing>
+</p:sld>
+</file>
+
+<file path=ppt/slides/slide5.xml><?xml version="1.0" encoding="utf-8"?>
+<p:sld xmlns:a="http://schemas.openxmlformats.org/drawingml/2006/main" xmlns:r="http://schemas.openxmlformats.org/officeDocument/2006/relationships" xmlns:p="http://schemas.openxmlformats.org/presentationml/2006/main">
+  <p:cSld>
+    <p:spTree>
+      <p:nvGrpSpPr>
+        <p:cNvPr id="1" name=""/>
+        <p:cNvGrpSpPr/>
+        <p:nvPr/>
+      </p:nvGrpSpPr>
+      <p:grpSpPr>
+        <a:xfrm>
+          <a:off x="0" y="0"/>
+          <a:ext cx="0" cy="0"/>
+          <a:chOff x="0" y="0"/>
+          <a:chExt cx="0" cy="0"/>
+        </a:xfrm>
+      </p:grpSpPr>
+      <p:sp>
+        <p:nvSpPr>
+          <p:cNvPr id="10242" name="コンテンツ プレースホルダー 2"/>
+          <p:cNvSpPr>
+            <a:spLocks noGrp="1"/>
+          </p:cNvSpPr>
+          <p:nvPr>
+            <p:ph idx="1"/>
+          </p:nvPr>
+        </p:nvSpPr>
+        <p:spPr>
+          <a:xfrm>
+            <a:off x="0" y="1125538"/>
+            <a:ext cx="9144000" cy="5399087"/>
+          </a:xfrm>
+        </p:spPr>
+        <p:txBody>
+          <a:bodyPr/>
+          <a:lstStyle/>
+          <a:p>
+            <a:pPr fontAlgn="ctr"/>
+            <a:r>
+              <a:rPr lang="ja-JP" altLang="en-US" sz="3200" dirty="0"/>
+              <a:t>苦労</a:t>
+            </a:r>
+            <a:r>
+              <a:rPr lang="ja-JP" altLang="en-US" sz="3200" dirty="0" smtClean="0"/>
+              <a:t>した点を業務に活かす</a:t>
+            </a:r>
+            <a:endParaRPr lang="en-US" altLang="ja-JP" sz="3200" dirty="0" smtClean="0"/>
+          </a:p>
+          <a:p>
+            <a:pPr lvl="1" fontAlgn="ctr"/>
+            <a:r>
+              <a:rPr lang="ja-JP" altLang="en-US" sz="2800" dirty="0"/>
+              <a:t>チーム</a:t>
+            </a:r>
+            <a:r>
+              <a:rPr lang="ja-JP" altLang="en-US" sz="2800" dirty="0" smtClean="0"/>
+              <a:t>での開発</a:t>
+            </a:r>
+            <a:endParaRPr lang="en-US" altLang="ja-JP" sz="2800" dirty="0" smtClean="0"/>
+          </a:p>
+          <a:p>
+            <a:pPr lvl="1" fontAlgn="ctr"/>
+            <a:r>
+              <a:rPr lang="en-US" altLang="ja-JP" sz="2800" dirty="0" err="1" smtClean="0"/>
+              <a:t>Git</a:t>
+            </a:r>
+            <a:endParaRPr lang="en-US" altLang="ja-JP" sz="2800" dirty="0" smtClean="0"/>
+          </a:p>
+          <a:p>
+            <a:pPr fontAlgn="ctr"/>
+            <a:r>
+              <a:rPr lang="ja-JP" altLang="en-US" sz="3200" dirty="0" smtClean="0"/>
+              <a:t>技術を積極的にインプットする</a:t>
+            </a:r>
+            <a:endParaRPr lang="en-US" altLang="ja-JP" sz="3200" dirty="0" smtClean="0"/>
+          </a:p>
+          <a:p>
+            <a:pPr fontAlgn="ctr"/>
+            <a:endParaRPr lang="en-US" altLang="ja-JP" sz="3200" dirty="0" smtClean="0"/>
+          </a:p>
+        </p:txBody>
+      </p:sp>
+      <p:sp>
+        <p:nvSpPr>
+          <p:cNvPr id="2" name="タイトル 1"/>
+          <p:cNvSpPr>
+            <a:spLocks noGrp="1"/>
+          </p:cNvSpPr>
+          <p:nvPr>
+            <p:ph type="title"/>
+          </p:nvPr>
+        </p:nvSpPr>
+        <p:spPr>
+          <a:xfrm>
+            <a:off x="457200" y="44624"/>
+            <a:ext cx="8229600" cy="1143000"/>
+          </a:xfrm>
+        </p:spPr>
+        <p:txBody>
+          <a:bodyPr/>
+          <a:lstStyle/>
+          <a:p>
+            <a:pPr eaLnBrk="1" fontAlgn="auto" hangingPunct="1">
+              <a:spcAft>
+                <a:spcPts val="0"/>
+              </a:spcAft>
+              <a:defRPr/>
+            </a:pPr>
+            <a:r>
+              <a:rPr lang="ja-JP" altLang="en-US" dirty="0" smtClean="0">
+                <a:solidFill>
+                  <a:schemeClr val="tx1"/>
+                </a:solidFill>
+              </a:rPr>
+              <a:t>これからの意気込み</a:t>
+            </a:r>
+            <a:endParaRPr lang="ja-JP" altLang="en-US" dirty="0">
+              <a:solidFill>
+                <a:schemeClr val="tx1"/>
+              </a:solidFill>
+            </a:endParaRPr>
+          </a:p>
+        </p:txBody>
+      </p:sp>
+    </p:spTree>
+    <p:extLst>
+      <p:ext uri="{BB962C8B-B14F-4D97-AF65-F5344CB8AC3E}">
+        <p14:creationId xmlns:p14="http://schemas.microsoft.com/office/powerpoint/2010/main" val="1601843359"/>
       </p:ext>
     </p:extLst>
   </p:cSld>

--- a/99_チーム内打合せ用（総合演習）/成果発表会_個人発表作成内容 _香川.pptx
+++ b/99_チーム内打合せ用（総合演習）/成果発表会_個人発表作成内容 _香川.pptx
@@ -603,10 +603,7 @@
               <a:tabLst/>
               <a:defRPr/>
             </a:pPr>
-            <a:r>
-              <a:rPr lang="ja-JP" altLang="ja-JP" sz="1200" dirty="0" smtClean="0"/>
-              <a:t>ほかの人が作成した設計書で開発など</a:t>
-            </a:r>
+            <a:endParaRPr lang="ja-JP" altLang="ja-JP" sz="1200" dirty="0" smtClean="0"/>
           </a:p>
         </p:txBody>
       </p:sp>
@@ -1005,10 +1002,6 @@
               <a:tabLst/>
               <a:defRPr/>
             </a:pPr>
-            <a:r>
-              <a:rPr lang="ja-JP" altLang="en-US" sz="1200" dirty="0" smtClean="0"/>
-              <a:t>バイナリファイルの共有：競合の解決が出来ない</a:t>
-            </a:r>
             <a:endParaRPr lang="en-US" altLang="ja-JP" sz="1200" dirty="0" smtClean="0"/>
           </a:p>
         </p:txBody>
@@ -7752,15 +7745,7 @@
                   <a:schemeClr val="tx1"/>
                 </a:solidFill>
               </a:rPr>
-              <a:t>した</a:t>
-            </a:r>
-            <a:r>
-              <a:rPr lang="ja-JP" altLang="en-US" dirty="0" smtClean="0">
-                <a:solidFill>
-                  <a:schemeClr val="tx1"/>
-                </a:solidFill>
-              </a:rPr>
-              <a:t>点とどう改善したか①</a:t>
+              <a:t>した点とどう改善したか①</a:t>
             </a:r>
             <a:endParaRPr lang="ja-JP" altLang="en-US" dirty="0">
               <a:solidFill>
@@ -7924,15 +7909,7 @@
                   <a:schemeClr val="tx1"/>
                 </a:solidFill>
               </a:rPr>
-              <a:t>した</a:t>
-            </a:r>
-            <a:r>
-              <a:rPr lang="ja-JP" altLang="en-US" dirty="0" smtClean="0">
-                <a:solidFill>
-                  <a:schemeClr val="tx1"/>
-                </a:solidFill>
-              </a:rPr>
-              <a:t>点とどう改善したか②</a:t>
+              <a:t>した点とどう改善したか②</a:t>
             </a:r>
             <a:endParaRPr lang="ja-JP" altLang="en-US" dirty="0">
               <a:solidFill>
@@ -8034,9 +8011,81 @@
             <a:pPr fontAlgn="ctr"/>
             <a:r>
               <a:rPr lang="ja-JP" altLang="en-US" sz="3200" dirty="0" smtClean="0"/>
-              <a:t>技術を積極的にインプットする</a:t>
+              <a:t>技術を積極的に</a:t>
+            </a:r>
+            <a:r>
+              <a:rPr lang="ja-JP" altLang="en-US" sz="3200" dirty="0" smtClean="0"/>
+              <a:t>インプット</a:t>
+            </a:r>
+            <a:r>
+              <a:rPr lang="ja-JP" altLang="en-US" sz="3200" dirty="0" smtClean="0"/>
+              <a:t>し、アウトプットする</a:t>
             </a:r>
             <a:endParaRPr lang="en-US" altLang="ja-JP" sz="3200" dirty="0" smtClean="0"/>
+          </a:p>
+          <a:p>
+            <a:pPr fontAlgn="ctr"/>
+            <a:endParaRPr lang="en-US" altLang="ja-JP" sz="3200" dirty="0" smtClean="0"/>
+          </a:p>
+          <a:p>
+            <a:pPr fontAlgn="ctr"/>
+            <a:endParaRPr lang="en-US" altLang="ja-JP" sz="3200" dirty="0"/>
+          </a:p>
+          <a:p>
+            <a:pPr marL="109537" indent="0" fontAlgn="ctr">
+              <a:buNone/>
+            </a:pPr>
+            <a:r>
+              <a:rPr lang="en-US" altLang="ja-JP" sz="3200" dirty="0" smtClean="0"/>
+              <a:t>	</a:t>
+            </a:r>
+            <a:r>
+              <a:rPr lang="en-US" altLang="ja-JP" sz="4800" b="1" dirty="0" smtClean="0">
+                <a:solidFill>
+                  <a:srgbClr val="FFC000"/>
+                </a:solidFill>
+              </a:rPr>
+              <a:t>1</a:t>
+            </a:r>
+            <a:r>
+              <a:rPr lang="ja-JP" altLang="en-US" sz="4800" b="1" dirty="0" smtClean="0">
+                <a:solidFill>
+                  <a:srgbClr val="FFC000"/>
+                </a:solidFill>
+              </a:rPr>
+              <a:t>日でも早く皆さんの</a:t>
+            </a:r>
+            <a:endParaRPr lang="en-US" altLang="ja-JP" sz="4800" b="1" dirty="0" smtClean="0">
+              <a:solidFill>
+                <a:srgbClr val="FFC000"/>
+              </a:solidFill>
+            </a:endParaRPr>
+          </a:p>
+          <a:p>
+            <a:pPr marL="109537" indent="0" fontAlgn="ctr">
+              <a:buNone/>
+            </a:pPr>
+            <a:r>
+              <a:rPr lang="en-US" altLang="ja-JP" sz="4800" b="1" dirty="0" smtClean="0">
+                <a:solidFill>
+                  <a:srgbClr val="FFC000"/>
+                </a:solidFill>
+              </a:rPr>
+              <a:t>	</a:t>
+            </a:r>
+            <a:r>
+              <a:rPr lang="ja-JP" altLang="en-US" sz="4800" b="1" dirty="0" smtClean="0">
+                <a:solidFill>
+                  <a:srgbClr val="FFC000"/>
+                </a:solidFill>
+              </a:rPr>
+              <a:t>力になれるように頑張ります！</a:t>
+            </a:r>
+            <a:endParaRPr lang="en-US" altLang="ja-JP" sz="4800" b="1" dirty="0" smtClean="0">
+              <a:solidFill>
+                <a:srgbClr val="FFC000"/>
+              </a:solidFill>
+            </a:endParaRPr>
           </a:p>
           <a:p>
             <a:pPr fontAlgn="ctr"/>
